--- a/Results explanation.pptx
+++ b/Results explanation.pptx
@@ -114,6 +114,11 @@
       </a:defRPr>
     </a:lvl9pPr>
   </p:defaultTextStyle>
+  <p:extLst>
+    <p:ext uri="{EFAFB233-063F-42B5-8137-9DF3F51BA10A}">
+      <p15:sldGuideLst xmlns:p15="http://schemas.microsoft.com/office/powerpoint/2012/main"/>
+    </p:ext>
+  </p:extLst>
 </p:presentation>
 </file>
 
@@ -3375,7 +3380,7 @@
           <a:p>
             <a:r>
               <a:rPr lang="en-US" altLang="zh-CN" dirty="0"/>
-              <a:t>Step 1. Data validation</a:t>
+              <a:t>Step 1. Data validation (general) </a:t>
             </a:r>
             <a:endParaRPr lang="zh-SG" altLang="en-US" dirty="0"/>
           </a:p>
@@ -3870,7 +3875,7 @@
           <a:p>
             <a:r>
               <a:rPr lang="en-US" altLang="zh-SG" dirty="0"/>
-              <a:t>Step 2. Data merge</a:t>
+              <a:t>Step 2. Data merge (Crypto specific from now)</a:t>
             </a:r>
             <a:endParaRPr lang="zh-SG" altLang="en-US" dirty="0"/>
           </a:p>
